--- a/asset/Learn/OASE-versionup-install.pptx
+++ b/asset/Learn/OASE-versionup-install.pptx
@@ -336,7 +336,7 @@
               <a:rPr kumimoji="1" lang="ja-JP" altLang="en-US" smtClean="0">
                 <a:ea typeface="メイリオ" panose="020B0604030504040204" pitchFamily="50" charset="-128"/>
               </a:rPr>
-              <a:t>2021/7/22</a:t>
+              <a:t>2021/11/30</a:t>
             </a:fld>
             <a:endParaRPr kumimoji="1" lang="ja-JP" altLang="en-US" dirty="0">
               <a:ea typeface="メイリオ" panose="020B0604030504040204" pitchFamily="50" charset="-128"/>
@@ -482,7 +482,7 @@
             <a:fld id="{4B26993D-C081-44EB-B0F5-A9F467792B62}" type="datetimeFigureOut">
               <a:rPr lang="ja-JP" altLang="en-US" smtClean="0"/>
               <a:pPr/>
-              <a:t>2021/7/22</a:t>
+              <a:t>2021/11/30</a:t>
             </a:fld>
             <a:endParaRPr lang="ja-JP" altLang="en-US" dirty="0"/>
           </a:p>
@@ -1086,7 +1086,7 @@
           <a:p>
             <a:fld id="{56F9016B-CCA6-43BE-8BEE-59565A35F4F7}" type="datetimeFigureOut">
               <a:rPr kumimoji="1" lang="ja-JP" altLang="en-US" smtClean="0"/>
-              <a:t>2021/7/22</a:t>
+              <a:t>2021/11/30</a:t>
             </a:fld>
             <a:endParaRPr kumimoji="1" lang="ja-JP" altLang="en-US" dirty="0"/>
           </a:p>
@@ -1286,7 +1286,7 @@
           <a:p>
             <a:fld id="{56F9016B-CCA6-43BE-8BEE-59565A35F4F7}" type="datetimeFigureOut">
               <a:rPr kumimoji="1" lang="ja-JP" altLang="en-US" smtClean="0"/>
-              <a:t>2021/7/22</a:t>
+              <a:t>2021/11/30</a:t>
             </a:fld>
             <a:endParaRPr kumimoji="1" lang="ja-JP" altLang="en-US" dirty="0"/>
           </a:p>
@@ -1531,7 +1531,7 @@
           <a:p>
             <a:fld id="{56F9016B-CCA6-43BE-8BEE-59565A35F4F7}" type="datetimeFigureOut">
               <a:rPr kumimoji="1" lang="ja-JP" altLang="en-US" smtClean="0"/>
-              <a:t>2021/7/22</a:t>
+              <a:t>2021/11/30</a:t>
             </a:fld>
             <a:endParaRPr kumimoji="1" lang="ja-JP" altLang="en-US" dirty="0"/>
           </a:p>
@@ -1824,7 +1824,7 @@
           <a:p>
             <a:fld id="{56F9016B-CCA6-43BE-8BEE-59565A35F4F7}" type="datetimeFigureOut">
               <a:rPr kumimoji="1" lang="ja-JP" altLang="en-US" smtClean="0"/>
-              <a:t>2021/7/22</a:t>
+              <a:t>2021/11/30</a:t>
             </a:fld>
             <a:endParaRPr kumimoji="1" lang="ja-JP" altLang="en-US" dirty="0"/>
           </a:p>
@@ -2252,7 +2252,7 @@
           <a:p>
             <a:fld id="{56F9016B-CCA6-43BE-8BEE-59565A35F4F7}" type="datetimeFigureOut">
               <a:rPr kumimoji="1" lang="ja-JP" altLang="en-US" smtClean="0"/>
-              <a:t>2021/7/22</a:t>
+              <a:t>2021/11/30</a:t>
             </a:fld>
             <a:endParaRPr kumimoji="1" lang="ja-JP" altLang="en-US" dirty="0"/>
           </a:p>
@@ -2369,7 +2369,7 @@
           <a:p>
             <a:fld id="{56F9016B-CCA6-43BE-8BEE-59565A35F4F7}" type="datetimeFigureOut">
               <a:rPr kumimoji="1" lang="ja-JP" altLang="en-US" smtClean="0"/>
-              <a:t>2021/7/22</a:t>
+              <a:t>2021/11/30</a:t>
             </a:fld>
             <a:endParaRPr kumimoji="1" lang="ja-JP" altLang="en-US" dirty="0"/>
           </a:p>
@@ -2464,7 +2464,7 @@
           <a:p>
             <a:fld id="{56F9016B-CCA6-43BE-8BEE-59565A35F4F7}" type="datetimeFigureOut">
               <a:rPr kumimoji="1" lang="ja-JP" altLang="en-US" smtClean="0"/>
-              <a:t>2021/7/22</a:t>
+              <a:t>2021/11/30</a:t>
             </a:fld>
             <a:endParaRPr kumimoji="1" lang="ja-JP" altLang="en-US" dirty="0"/>
           </a:p>
@@ -2771,7 +2771,7 @@
           <a:p>
             <a:fld id="{56F9016B-CCA6-43BE-8BEE-59565A35F4F7}" type="datetimeFigureOut">
               <a:rPr kumimoji="1" lang="ja-JP" altLang="en-US" smtClean="0"/>
-              <a:t>2021/7/22</a:t>
+              <a:t>2021/11/30</a:t>
             </a:fld>
             <a:endParaRPr kumimoji="1" lang="ja-JP" altLang="en-US" dirty="0"/>
           </a:p>
@@ -3023,7 +3023,7 @@
           <a:p>
             <a:fld id="{56F9016B-CCA6-43BE-8BEE-59565A35F4F7}" type="datetimeFigureOut">
               <a:rPr kumimoji="1" lang="ja-JP" altLang="en-US" smtClean="0"/>
-              <a:t>2021/7/22</a:t>
+              <a:t>2021/11/30</a:t>
             </a:fld>
             <a:endParaRPr kumimoji="1" lang="ja-JP" altLang="en-US" dirty="0"/>
           </a:p>
@@ -3290,7 +3290,7 @@
           <a:p>
             <a:fld id="{56F9016B-CCA6-43BE-8BEE-59565A35F4F7}" type="datetimeFigureOut">
               <a:rPr kumimoji="1" lang="ja-JP" altLang="en-US" smtClean="0"/>
-              <a:t>2021/7/22</a:t>
+              <a:t>2021/11/30</a:t>
             </a:fld>
             <a:endParaRPr kumimoji="1" lang="ja-JP" altLang="en-US" dirty="0"/>
           </a:p>
@@ -3500,7 +3500,7 @@
           <a:p>
             <a:fld id="{56F9016B-CCA6-43BE-8BEE-59565A35F4F7}" type="datetimeFigureOut">
               <a:rPr kumimoji="1" lang="ja-JP" altLang="en-US" smtClean="0"/>
-              <a:t>2021/7/22</a:t>
+              <a:t>2021/11/30</a:t>
             </a:fld>
             <a:endParaRPr kumimoji="1" lang="ja-JP" altLang="en-US" dirty="0"/>
           </a:p>
@@ -6492,7 +6492,7 @@
           <a:p>
             <a:fld id="{56F9016B-CCA6-43BE-8BEE-59565A35F4F7}" type="datetimeFigureOut">
               <a:rPr kumimoji="1" lang="ja-JP" altLang="en-US" smtClean="0"/>
-              <a:t>2021/7/22</a:t>
+              <a:t>2021/11/30</a:t>
             </a:fld>
             <a:endParaRPr kumimoji="1" lang="ja-JP" altLang="en-US" dirty="0"/>
           </a:p>
@@ -15650,14 +15650,14 @@
           <p:nvPr>
             <p:extLst>
               <p:ext uri="{D42A27DB-BD31-4B8C-83A1-F6EECF244321}">
-                <p14:modId xmlns:p14="http://schemas.microsoft.com/office/powerpoint/2010/main" val="3065689279"/>
+                <p14:modId xmlns:p14="http://schemas.microsoft.com/office/powerpoint/2010/main" val="685799008"/>
               </p:ext>
             </p:extLst>
           </p:nvPr>
         </p:nvGraphicFramePr>
         <p:xfrm>
           <a:off x="179513" y="2780910"/>
-          <a:ext cx="8784001" cy="816990"/>
+          <a:ext cx="8784001" cy="2113586"/>
         </p:xfrm>
         <a:graphic>
           <a:graphicData uri="http://schemas.openxmlformats.org/drawingml/2006/table">
@@ -15900,6 +15900,417 @@
                 <a:extLst>
                   <a:ext uri="{0D108BD9-81ED-4DB2-BD59-A6C34878D82A}">
                     <a16:rowId xmlns:a16="http://schemas.microsoft.com/office/drawing/2014/main" val="1909750210"/>
+                  </a:ext>
+                </a:extLst>
+              </a:tr>
+              <a:tr h="324149">
+                <a:tc>
+                  <a:txBody>
+                    <a:bodyPr/>
+                    <a:lstStyle/>
+                    <a:p>
+                      <a:r>
+                        <a:rPr kumimoji="1" lang="en-US" altLang="ja-JP" sz="1200" dirty="0" smtClean="0">
+                          <a:solidFill>
+                            <a:schemeClr val="bg1"/>
+                          </a:solidFill>
+                        </a:rPr>
+                        <a:t>1.3.0</a:t>
+                      </a:r>
+                    </a:p>
+                  </a:txBody>
+                  <a:tcPr anchor="ctr" anchorCtr="1">
+                    <a:solidFill>
+                      <a:srgbClr val="002B62"/>
+                    </a:solidFill>
+                  </a:tcPr>
+                </a:tc>
+                <a:tc gridSpan="5">
+                  <a:txBody>
+                    <a:bodyPr/>
+                    <a:lstStyle/>
+                    <a:p>
+                      <a:pPr marL="0" marR="0" lvl="0" indent="0" algn="l" defTabSz="914400" rtl="0" eaLnBrk="1" fontAlgn="auto" latinLnBrk="0" hangingPunct="1">
+                        <a:lnSpc>
+                          <a:spcPct val="100000"/>
+                        </a:lnSpc>
+                        <a:spcBef>
+                          <a:spcPts val="0"/>
+                        </a:spcBef>
+                        <a:spcAft>
+                          <a:spcPts val="0"/>
+                        </a:spcAft>
+                        <a:buClrTx/>
+                        <a:buSzTx/>
+                        <a:buFontTx/>
+                        <a:buNone/>
+                        <a:tabLst/>
+                        <a:defRPr/>
+                      </a:pPr>
+                      <a:r>
+                        <a:rPr lang="en-US" altLang="ja-JP" sz="1200" dirty="0" smtClean="0"/>
+                        <a:t>No libraries were added in Version 1.3.0</a:t>
+                      </a:r>
+                      <a:endParaRPr kumimoji="1" lang="ja-JP" altLang="en-US" sz="1200" dirty="0" smtClean="0"/>
+                    </a:p>
+                  </a:txBody>
+                  <a:tcPr anchor="ctr" anchorCtr="1"/>
+                </a:tc>
+                <a:tc hMerge="1">
+                  <a:txBody>
+                    <a:bodyPr/>
+                    <a:lstStyle/>
+                    <a:p>
+                      <a:endParaRPr kumimoji="1" lang="ja-JP" altLang="en-US"/>
+                    </a:p>
+                  </a:txBody>
+                  <a:tcPr/>
+                </a:tc>
+                <a:tc hMerge="1">
+                  <a:txBody>
+                    <a:bodyPr/>
+                    <a:lstStyle/>
+                    <a:p>
+                      <a:endParaRPr kumimoji="1" lang="ja-JP" altLang="en-US"/>
+                    </a:p>
+                  </a:txBody>
+                  <a:tcPr/>
+                </a:tc>
+                <a:tc hMerge="1">
+                  <a:txBody>
+                    <a:bodyPr/>
+                    <a:lstStyle/>
+                    <a:p>
+                      <a:endParaRPr kumimoji="1" lang="ja-JP" altLang="en-US"/>
+                    </a:p>
+                  </a:txBody>
+                  <a:tcPr/>
+                </a:tc>
+                <a:tc hMerge="1">
+                  <a:txBody>
+                    <a:bodyPr/>
+                    <a:lstStyle/>
+                    <a:p>
+                      <a:endParaRPr kumimoji="1" lang="ja-JP" altLang="en-US"/>
+                    </a:p>
+                  </a:txBody>
+                  <a:tcPr/>
+                </a:tc>
+                <a:extLst>
+                  <a:ext uri="{0D108BD9-81ED-4DB2-BD59-A6C34878D82A}">
+                    <a16:rowId xmlns:a16="http://schemas.microsoft.com/office/drawing/2014/main" val="1545291978"/>
+                  </a:ext>
+                </a:extLst>
+              </a:tr>
+              <a:tr h="324149">
+                <a:tc>
+                  <a:txBody>
+                    <a:bodyPr/>
+                    <a:lstStyle/>
+                    <a:p>
+                      <a:r>
+                        <a:rPr kumimoji="1" lang="en-US" altLang="ja-JP" sz="1200" dirty="0" smtClean="0">
+                          <a:solidFill>
+                            <a:schemeClr val="bg1"/>
+                          </a:solidFill>
+                        </a:rPr>
+                        <a:t>1.3.1</a:t>
+                      </a:r>
+                      <a:endParaRPr kumimoji="1" lang="ja-JP" altLang="en-US" sz="1200" dirty="0">
+                        <a:solidFill>
+                          <a:schemeClr val="bg1"/>
+                        </a:solidFill>
+                      </a:endParaRPr>
+                    </a:p>
+                  </a:txBody>
+                  <a:tcPr anchor="ctr" anchorCtr="1">
+                    <a:solidFill>
+                      <a:srgbClr val="002B62"/>
+                    </a:solidFill>
+                  </a:tcPr>
+                </a:tc>
+                <a:tc gridSpan="5">
+                  <a:txBody>
+                    <a:bodyPr/>
+                    <a:lstStyle/>
+                    <a:p>
+                      <a:pPr marL="0" marR="0" lvl="0" indent="0" algn="l" defTabSz="914400" rtl="0" eaLnBrk="1" fontAlgn="auto" latinLnBrk="0" hangingPunct="1">
+                        <a:lnSpc>
+                          <a:spcPct val="100000"/>
+                        </a:lnSpc>
+                        <a:spcBef>
+                          <a:spcPts val="0"/>
+                        </a:spcBef>
+                        <a:spcAft>
+                          <a:spcPts val="0"/>
+                        </a:spcAft>
+                        <a:buClrTx/>
+                        <a:buSzTx/>
+                        <a:buFontTx/>
+                        <a:buNone/>
+                        <a:tabLst/>
+                        <a:defRPr/>
+                      </a:pPr>
+                      <a:r>
+                        <a:rPr lang="en-US" altLang="ja-JP" sz="1200" dirty="0" smtClean="0"/>
+                        <a:t>No libraries were added in Version 1.3.1</a:t>
+                      </a:r>
+                      <a:endParaRPr kumimoji="1" lang="ja-JP" altLang="en-US" sz="1200" dirty="0" smtClean="0"/>
+                    </a:p>
+                  </a:txBody>
+                  <a:tcPr anchor="ctr" anchorCtr="1"/>
+                </a:tc>
+                <a:tc hMerge="1">
+                  <a:txBody>
+                    <a:bodyPr/>
+                    <a:lstStyle/>
+                    <a:p>
+                      <a:endParaRPr kumimoji="1" lang="ja-JP" altLang="en-US"/>
+                    </a:p>
+                  </a:txBody>
+                  <a:tcPr/>
+                </a:tc>
+                <a:tc hMerge="1">
+                  <a:txBody>
+                    <a:bodyPr/>
+                    <a:lstStyle/>
+                    <a:p>
+                      <a:endParaRPr kumimoji="1" lang="ja-JP" altLang="en-US"/>
+                    </a:p>
+                  </a:txBody>
+                  <a:tcPr/>
+                </a:tc>
+                <a:tc hMerge="1">
+                  <a:txBody>
+                    <a:bodyPr/>
+                    <a:lstStyle/>
+                    <a:p>
+                      <a:endParaRPr kumimoji="1" lang="ja-JP" altLang="en-US"/>
+                    </a:p>
+                  </a:txBody>
+                  <a:tcPr/>
+                </a:tc>
+                <a:tc hMerge="1">
+                  <a:txBody>
+                    <a:bodyPr/>
+                    <a:lstStyle/>
+                    <a:p>
+                      <a:endParaRPr kumimoji="1" lang="ja-JP" altLang="en-US"/>
+                    </a:p>
+                  </a:txBody>
+                  <a:tcPr/>
+                </a:tc>
+                <a:extLst>
+                  <a:ext uri="{0D108BD9-81ED-4DB2-BD59-A6C34878D82A}">
+                    <a16:rowId xmlns:a16="http://schemas.microsoft.com/office/drawing/2014/main" val="259623423"/>
+                  </a:ext>
+                </a:extLst>
+              </a:tr>
+              <a:tr h="324149">
+                <a:tc>
+                  <a:txBody>
+                    <a:bodyPr/>
+                    <a:lstStyle/>
+                    <a:p>
+                      <a:r>
+                        <a:rPr kumimoji="1" lang="en-US" altLang="ja-JP" sz="1200" dirty="0" smtClean="0">
+                          <a:solidFill>
+                            <a:schemeClr val="bg1"/>
+                          </a:solidFill>
+                        </a:rPr>
+                        <a:t>1.4.0</a:t>
+                      </a:r>
+                      <a:endParaRPr kumimoji="1" lang="ja-JP" altLang="en-US" sz="1200" dirty="0">
+                        <a:solidFill>
+                          <a:schemeClr val="bg1"/>
+                        </a:solidFill>
+                      </a:endParaRPr>
+                    </a:p>
+                  </a:txBody>
+                  <a:tcPr anchor="ctr" anchorCtr="1">
+                    <a:solidFill>
+                      <a:srgbClr val="002B62"/>
+                    </a:solidFill>
+                  </a:tcPr>
+                </a:tc>
+                <a:tc gridSpan="5">
+                  <a:txBody>
+                    <a:bodyPr/>
+                    <a:lstStyle/>
+                    <a:p>
+                      <a:pPr marL="0" marR="0" lvl="0" indent="0" algn="l" defTabSz="914400" rtl="0" eaLnBrk="1" fontAlgn="auto" latinLnBrk="0" hangingPunct="1">
+                        <a:lnSpc>
+                          <a:spcPct val="100000"/>
+                        </a:lnSpc>
+                        <a:spcBef>
+                          <a:spcPts val="0"/>
+                        </a:spcBef>
+                        <a:spcAft>
+                          <a:spcPts val="0"/>
+                        </a:spcAft>
+                        <a:buClrTx/>
+                        <a:buSzTx/>
+                        <a:buFontTx/>
+                        <a:buNone/>
+                        <a:tabLst/>
+                        <a:defRPr/>
+                      </a:pPr>
+                      <a:r>
+                        <a:rPr lang="en-US" altLang="ja-JP" sz="1200" dirty="0" smtClean="0"/>
+                        <a:t>No libraries were added in Version 1.4.0</a:t>
+                      </a:r>
+                      <a:endParaRPr kumimoji="1" lang="ja-JP" altLang="en-US" sz="1200" dirty="0" smtClean="0"/>
+                    </a:p>
+                  </a:txBody>
+                  <a:tcPr anchor="ctr" anchorCtr="1"/>
+                </a:tc>
+                <a:tc hMerge="1">
+                  <a:txBody>
+                    <a:bodyPr/>
+                    <a:lstStyle/>
+                    <a:p>
+                      <a:endParaRPr kumimoji="1" lang="ja-JP" altLang="en-US"/>
+                    </a:p>
+                  </a:txBody>
+                  <a:tcPr/>
+                </a:tc>
+                <a:tc hMerge="1">
+                  <a:txBody>
+                    <a:bodyPr/>
+                    <a:lstStyle/>
+                    <a:p>
+                      <a:endParaRPr kumimoji="1" lang="ja-JP" altLang="en-US"/>
+                    </a:p>
+                  </a:txBody>
+                  <a:tcPr/>
+                </a:tc>
+                <a:tc hMerge="1">
+                  <a:txBody>
+                    <a:bodyPr/>
+                    <a:lstStyle/>
+                    <a:p>
+                      <a:endParaRPr kumimoji="1" lang="ja-JP" altLang="en-US"/>
+                    </a:p>
+                  </a:txBody>
+                  <a:tcPr/>
+                </a:tc>
+                <a:tc hMerge="1">
+                  <a:txBody>
+                    <a:bodyPr/>
+                    <a:lstStyle/>
+                    <a:p>
+                      <a:endParaRPr kumimoji="1" lang="ja-JP" altLang="en-US"/>
+                    </a:p>
+                  </a:txBody>
+                  <a:tcPr/>
+                </a:tc>
+                <a:extLst>
+                  <a:ext uri="{0D108BD9-81ED-4DB2-BD59-A6C34878D82A}">
+                    <a16:rowId xmlns:a16="http://schemas.microsoft.com/office/drawing/2014/main" val="647728932"/>
+                  </a:ext>
+                </a:extLst>
+              </a:tr>
+              <a:tr h="324149">
+                <a:tc>
+                  <a:txBody>
+                    <a:bodyPr/>
+                    <a:lstStyle/>
+                    <a:p>
+                      <a:r>
+                        <a:rPr kumimoji="1" lang="en-US" altLang="ja-JP" sz="1200" dirty="0" smtClean="0">
+                          <a:solidFill>
+                            <a:schemeClr val="bg1"/>
+                          </a:solidFill>
+                        </a:rPr>
+                        <a:t>1.5.0</a:t>
+                      </a:r>
+                      <a:endParaRPr kumimoji="1" lang="ja-JP" altLang="en-US" sz="1200" dirty="0">
+                        <a:solidFill>
+                          <a:schemeClr val="bg1"/>
+                        </a:solidFill>
+                      </a:endParaRPr>
+                    </a:p>
+                  </a:txBody>
+                  <a:tcPr anchor="ctr" anchorCtr="1">
+                    <a:solidFill>
+                      <a:srgbClr val="002B62"/>
+                    </a:solidFill>
+                  </a:tcPr>
+                </a:tc>
+                <a:tc gridSpan="5">
+                  <a:txBody>
+                    <a:bodyPr/>
+                    <a:lstStyle/>
+                    <a:p>
+                      <a:pPr marL="0" marR="0" lvl="0" indent="0" algn="l" defTabSz="914400" rtl="0" eaLnBrk="1" fontAlgn="auto" latinLnBrk="0" hangingPunct="1">
+                        <a:lnSpc>
+                          <a:spcPct val="100000"/>
+                        </a:lnSpc>
+                        <a:spcBef>
+                          <a:spcPts val="0"/>
+                        </a:spcBef>
+                        <a:spcAft>
+                          <a:spcPts val="0"/>
+                        </a:spcAft>
+                        <a:buClrTx/>
+                        <a:buSzTx/>
+                        <a:buFontTx/>
+                        <a:buNone/>
+                        <a:tabLst/>
+                        <a:defRPr/>
+                      </a:pPr>
+                      <a:r>
+                        <a:rPr lang="en-US" altLang="ja-JP" sz="1200" dirty="0" smtClean="0"/>
+                        <a:t>No libraries were added in Version 1.5.0</a:t>
+                      </a:r>
+                      <a:endParaRPr kumimoji="1" lang="ja-JP" altLang="en-US" sz="1200" dirty="0" smtClean="0"/>
+                    </a:p>
+                  </a:txBody>
+                  <a:tcPr anchor="ctr" anchorCtr="1"/>
+                </a:tc>
+                <a:tc hMerge="1">
+                  <a:txBody>
+                    <a:bodyPr/>
+                    <a:lstStyle/>
+                    <a:p>
+                      <a:endParaRPr kumimoji="1" lang="ja-JP" altLang="en-US"/>
+                    </a:p>
+                  </a:txBody>
+                  <a:tcPr/>
+                </a:tc>
+                <a:tc hMerge="1">
+                  <a:txBody>
+                    <a:bodyPr/>
+                    <a:lstStyle/>
+                    <a:p>
+                      <a:endParaRPr kumimoji="1" lang="ja-JP" altLang="en-US"/>
+                    </a:p>
+                  </a:txBody>
+                  <a:tcPr/>
+                </a:tc>
+                <a:tc hMerge="1">
+                  <a:txBody>
+                    <a:bodyPr/>
+                    <a:lstStyle/>
+                    <a:p>
+                      <a:endParaRPr kumimoji="1" lang="ja-JP" altLang="en-US"/>
+                    </a:p>
+                  </a:txBody>
+                  <a:tcPr/>
+                </a:tc>
+                <a:tc hMerge="1">
+                  <a:txBody>
+                    <a:bodyPr/>
+                    <a:lstStyle/>
+                    <a:p>
+                      <a:endParaRPr kumimoji="1" lang="ja-JP" altLang="en-US"/>
+                    </a:p>
+                  </a:txBody>
+                  <a:tcPr/>
+                </a:tc>
+                <a:extLst>
+                  <a:ext uri="{0D108BD9-81ED-4DB2-BD59-A6C34878D82A}">
+                    <a16:rowId xmlns:a16="http://schemas.microsoft.com/office/drawing/2014/main" val="2698159764"/>
                   </a:ext>
                 </a:extLst>
               </a:tr>
